--- a/IT008-Visual programming/Slide thực hành/Lab 4.pptx
+++ b/IT008-Visual programming/Slide thực hành/Lab 4.pptx
@@ -199,7 +199,7 @@
           </a:lstStyle>
           <a:p>
             <a:fld id="{D58EBEF0-1929-6C4C-9D10-0A24CA585262}" type="datetimeFigureOut">
-              <a:t>25/10/2023</a:t>
+              <a:t>15/11/2023</a:t>
             </a:fld>
             <a:endParaRPr lang="en-VN"/>
           </a:p>
@@ -594,7 +594,7 @@
           <a:lstStyle/>
           <a:p>
             <a:fld id="{0DDB0C27-5CC0-AE4B-A9B6-1C1A8F15976E}" type="datetime1">
-              <a:t>25/10/2023</a:t>
+              <a:t>15/11/2023</a:t>
             </a:fld>
             <a:endParaRPr lang="en-US"/>
           </a:p>
@@ -761,7 +761,7 @@
           <a:lstStyle/>
           <a:p>
             <a:fld id="{A1AB976C-5E89-BE46-B6A2-18E033DC7B7F}" type="datetime1">
-              <a:t>25/10/2023</a:t>
+              <a:t>15/11/2023</a:t>
             </a:fld>
             <a:endParaRPr lang="en-US"/>
           </a:p>
@@ -938,7 +938,7 @@
           <a:lstStyle/>
           <a:p>
             <a:fld id="{D3EB9961-F7AC-F442-9DA7-5C044E83E8F0}" type="datetime1">
-              <a:t>25/10/2023</a:t>
+              <a:t>15/11/2023</a:t>
             </a:fld>
             <a:endParaRPr lang="en-US"/>
           </a:p>
@@ -1105,7 +1105,7 @@
           <a:lstStyle/>
           <a:p>
             <a:fld id="{2BC5C2EC-D52B-4E49-9BD2-7F34EF2A2110}" type="datetime1">
-              <a:t>25/10/2023</a:t>
+              <a:t>15/11/2023</a:t>
             </a:fld>
             <a:endParaRPr lang="en-US"/>
           </a:p>
@@ -1349,7 +1349,7 @@
           <a:lstStyle/>
           <a:p>
             <a:fld id="{2E689BA2-5EDF-204F-BDB5-47A63D89879F}" type="datetime1">
-              <a:t>25/10/2023</a:t>
+              <a:t>15/11/2023</a:t>
             </a:fld>
             <a:endParaRPr lang="en-US"/>
           </a:p>
@@ -1577,7 +1577,7 @@
           <a:lstStyle/>
           <a:p>
             <a:fld id="{C71BC0A1-3625-D949-894B-12A4B1103545}" type="datetime1">
-              <a:t>25/10/2023</a:t>
+              <a:t>15/11/2023</a:t>
             </a:fld>
             <a:endParaRPr lang="en-US"/>
           </a:p>
@@ -1940,7 +1940,7 @@
           <a:lstStyle/>
           <a:p>
             <a:fld id="{631AF034-057E-7E42-A703-A16CE37858B1}" type="datetime1">
-              <a:t>25/10/2023</a:t>
+              <a:t>15/11/2023</a:t>
             </a:fld>
             <a:endParaRPr lang="en-US"/>
           </a:p>
@@ -2056,7 +2056,7 @@
           <a:lstStyle/>
           <a:p>
             <a:fld id="{6C312224-5262-0D45-8752-AD88DF7DF160}" type="datetime1">
-              <a:t>25/10/2023</a:t>
+              <a:t>15/11/2023</a:t>
             </a:fld>
             <a:endParaRPr lang="en-US"/>
           </a:p>
@@ -2150,7 +2150,7 @@
           <a:lstStyle/>
           <a:p>
             <a:fld id="{186C3894-04D4-E046-8AC0-98EC70D1D50C}" type="datetime1">
-              <a:t>25/10/2023</a:t>
+              <a:t>15/11/2023</a:t>
             </a:fld>
             <a:endParaRPr lang="en-US"/>
           </a:p>
@@ -2424,7 +2424,7 @@
           <a:lstStyle/>
           <a:p>
             <a:fld id="{BD6227EF-D3E1-B74B-97FE-FE43DF3D709B}" type="datetime1">
-              <a:t>25/10/2023</a:t>
+              <a:t>15/11/2023</a:t>
             </a:fld>
             <a:endParaRPr lang="en-US"/>
           </a:p>
@@ -2675,7 +2675,7 @@
           <a:lstStyle/>
           <a:p>
             <a:fld id="{1A1BECCB-56EF-1541-9CBC-CE4FC0155FEE}" type="datetime1">
-              <a:t>25/10/2023</a:t>
+              <a:t>15/11/2023</a:t>
             </a:fld>
             <a:endParaRPr lang="en-US"/>
           </a:p>
@@ -2885,7 +2885,7 @@
           </a:lstStyle>
           <a:p>
             <a:fld id="{0DFD353B-B5AB-CF4C-8D9F-51BDAFC66301}" type="datetime1">
-              <a:t>25/10/2023</a:t>
+              <a:t>15/11/2023</a:t>
             </a:fld>
             <a:endParaRPr lang="en-US"/>
           </a:p>
